--- a/Prezentacija.pptx
+++ b/Prezentacija.pptx
@@ -20,7 +20,7 @@
     <p:sldId id="319" r:id="rId11"/>
     <p:sldId id="323" r:id="rId12"/>
     <p:sldId id="307" r:id="rId13"/>
-    <p:sldId id="324" r:id="rId14"/>
+    <p:sldId id="329" r:id="rId14"/>
     <p:sldId id="321" r:id="rId15"/>
     <p:sldId id="325" r:id="rId16"/>
     <p:sldId id="314" r:id="rId17"/>
@@ -6051,7 +6051,7 @@
         <p:cNvPr id="1" name="">
           <a:extLst>
             <a:ext uri="{FF2B5EF4-FFF2-40B4-BE49-F238E27FC236}">
-              <a16:creationId xmlns:a16="http://schemas.microsoft.com/office/drawing/2014/main" id="{FD9F39F1-4965-6350-43FB-11FDFA131E2F}"/>
+              <a16:creationId xmlns:a16="http://schemas.microsoft.com/office/drawing/2014/main" id="{A909FBCF-6711-D447-9724-3D8FC6E2592D}"/>
             </a:ext>
           </a:extLst>
         </p:cNvPr>
@@ -6071,7 +6071,7 @@
           <p:cNvPr id="2" name="Slide Image Placeholder 1">
             <a:extLst>
               <a:ext uri="{FF2B5EF4-FFF2-40B4-BE49-F238E27FC236}">
-                <a16:creationId xmlns:a16="http://schemas.microsoft.com/office/drawing/2014/main" id="{32B6CA83-30C4-6C67-D58F-979D8D98F85E}"/>
+                <a16:creationId xmlns:a16="http://schemas.microsoft.com/office/drawing/2014/main" id="{2C5343B4-37C1-71DF-1238-BC828B3E0733}"/>
               </a:ext>
             </a:extLst>
           </p:cNvPr>
@@ -6103,7 +6103,7 @@
           <p:cNvPr id="3" name="Notes Placeholder 2">
             <a:extLst>
               <a:ext uri="{FF2B5EF4-FFF2-40B4-BE49-F238E27FC236}">
-                <a16:creationId xmlns:a16="http://schemas.microsoft.com/office/drawing/2014/main" id="{59A75098-6924-E354-EB5D-5E5CA9398723}"/>
+                <a16:creationId xmlns:a16="http://schemas.microsoft.com/office/drawing/2014/main" id="{5D28150B-9ADE-C71B-74FF-855E5FB383FD}"/>
               </a:ext>
             </a:extLst>
           </p:cNvPr>
@@ -6134,7 +6134,7 @@
     </p:spTree>
     <p:extLst>
       <p:ext uri="{BB962C8B-B14F-4D97-AF65-F5344CB8AC3E}">
-        <p14:creationId xmlns:p14="http://schemas.microsoft.com/office/powerpoint/2010/main" val="4048810281"/>
+        <p14:creationId xmlns:p14="http://schemas.microsoft.com/office/powerpoint/2010/main" val="718795600"/>
       </p:ext>
     </p:extLst>
   </p:cSld>
@@ -23968,11 +23968,11 @@
   <p:clrMapOvr>
     <a:masterClrMapping/>
   </p:clrMapOvr>
-  <mc:AlternateContent xmlns:mc="http://schemas.openxmlformats.org/markup-compatibility/2006">
-    <mc:Choice xmlns:p14="http://schemas.microsoft.com/office/powerpoint/2010/main" Requires="p14">
+  <mc:AlternateContent xmlns:mc="http://schemas.openxmlformats.org/markup-compatibility/2006" xmlns:p14="http://schemas.microsoft.com/office/powerpoint/2010/main">
+    <mc:Choice Requires="p14">
       <p:transition p14:dur="0"/>
     </mc:Choice>
-    <mc:Fallback>
+    <mc:Fallback xmlns="">
       <p:transition/>
     </mc:Fallback>
   </mc:AlternateContent>
@@ -23987,7 +23987,7 @@
         <p:cNvPr id="1" name="">
           <a:extLst>
             <a:ext uri="{FF2B5EF4-FFF2-40B4-BE49-F238E27FC236}">
-              <a16:creationId xmlns:a16="http://schemas.microsoft.com/office/drawing/2014/main" id="{819015FC-67C7-62FC-7931-9F9CDF2AA6AF}"/>
+              <a16:creationId xmlns:a16="http://schemas.microsoft.com/office/drawing/2014/main" id="{7379DFAF-819A-2407-9F64-5E02C63AE8A0}"/>
             </a:ext>
           </a:extLst>
         </p:cNvPr>
@@ -24004,10 +24004,148 @@
       </p:grpSpPr>
       <p:sp>
         <p:nvSpPr>
+          <p:cNvPr id="12" name="Rectangle 11">
+            <a:extLst>
+              <a:ext uri="{FF2B5EF4-FFF2-40B4-BE49-F238E27FC236}">
+                <a16:creationId xmlns:a16="http://schemas.microsoft.com/office/drawing/2014/main" id="{BE0FF91F-1A0B-3466-5DFB-A5D3C0BEA237}"/>
+              </a:ext>
+            </a:extLst>
+          </p:cNvPr>
+          <p:cNvSpPr/>
+          <p:nvPr/>
+        </p:nvSpPr>
+        <p:spPr>
+          <a:xfrm>
+            <a:off x="11340935" y="1219891"/>
+            <a:ext cx="851066" cy="5638109"/>
+          </a:xfrm>
+          <a:prstGeom prst="rect">
+            <a:avLst/>
+          </a:prstGeom>
+          <a:solidFill>
+            <a:schemeClr val="bg1"/>
+          </a:solidFill>
+          <a:ln>
+            <a:solidFill>
+              <a:srgbClr val="FDFBF6"/>
+            </a:solidFill>
+          </a:ln>
+        </p:spPr>
+        <p:style>
+          <a:lnRef idx="2">
+            <a:schemeClr val="accent1">
+              <a:shade val="15000"/>
+            </a:schemeClr>
+          </a:lnRef>
+          <a:fillRef idx="1">
+            <a:schemeClr val="accent1"/>
+          </a:fillRef>
+          <a:effectRef idx="0">
+            <a:schemeClr val="accent1"/>
+          </a:effectRef>
+          <a:fontRef idx="minor">
+            <a:schemeClr val="lt1"/>
+          </a:fontRef>
+        </p:style>
+        <p:txBody>
+          <a:bodyPr rtlCol="0" anchor="ctr"/>
+          <a:lstStyle/>
+          <a:p>
+            <a:pPr algn="ctr"/>
+            <a:endParaRPr lang="hr-HR" noProof="0" dirty="0"/>
+          </a:p>
+        </p:txBody>
+      </p:sp>
+      <p:pic>
+        <p:nvPicPr>
+          <p:cNvPr id="11" name="Picture 10">
+            <a:extLst>
+              <a:ext uri="{FF2B5EF4-FFF2-40B4-BE49-F238E27FC236}">
+                <a16:creationId xmlns:a16="http://schemas.microsoft.com/office/drawing/2014/main" id="{8E5DE3F7-8304-9C3D-3763-564E6B56E740}"/>
+              </a:ext>
+            </a:extLst>
+          </p:cNvPr>
+          <p:cNvPicPr>
+            <a:picLocks noChangeAspect="1"/>
+          </p:cNvPicPr>
+          <p:nvPr/>
+        </p:nvPicPr>
+        <p:blipFill>
+          <a:blip r:embed="rId3"/>
+          <a:stretch>
+            <a:fillRect/>
+          </a:stretch>
+        </p:blipFill>
+        <p:spPr>
+          <a:xfrm>
+            <a:off x="3571045" y="0"/>
+            <a:ext cx="8295212" cy="6858000"/>
+          </a:xfrm>
+          <a:prstGeom prst="rect">
+            <a:avLst/>
+          </a:prstGeom>
+        </p:spPr>
+      </p:pic>
+      <p:sp>
+        <p:nvSpPr>
+          <p:cNvPr id="8" name="Rectangle 7">
+            <a:extLst>
+              <a:ext uri="{FF2B5EF4-FFF2-40B4-BE49-F238E27FC236}">
+                <a16:creationId xmlns:a16="http://schemas.microsoft.com/office/drawing/2014/main" id="{1F69CC3C-54DF-BA8D-B0A6-10E77A9318A8}"/>
+              </a:ext>
+            </a:extLst>
+          </p:cNvPr>
+          <p:cNvSpPr/>
+          <p:nvPr/>
+        </p:nvSpPr>
+        <p:spPr>
+          <a:xfrm>
+            <a:off x="-80684" y="3353491"/>
+            <a:ext cx="3699229" cy="3504509"/>
+          </a:xfrm>
+          <a:prstGeom prst="rect">
+            <a:avLst/>
+          </a:prstGeom>
+          <a:solidFill>
+            <a:schemeClr val="bg1"/>
+          </a:solidFill>
+          <a:ln>
+            <a:solidFill>
+              <a:srgbClr val="FDFBF6"/>
+            </a:solidFill>
+          </a:ln>
+        </p:spPr>
+        <p:style>
+          <a:lnRef idx="2">
+            <a:schemeClr val="accent1">
+              <a:shade val="15000"/>
+            </a:schemeClr>
+          </a:lnRef>
+          <a:fillRef idx="1">
+            <a:schemeClr val="accent1"/>
+          </a:fillRef>
+          <a:effectRef idx="0">
+            <a:schemeClr val="accent1"/>
+          </a:effectRef>
+          <a:fontRef idx="minor">
+            <a:schemeClr val="lt1"/>
+          </a:fontRef>
+        </p:style>
+        <p:txBody>
+          <a:bodyPr rtlCol="0" anchor="ctr"/>
+          <a:lstStyle/>
+          <a:p>
+            <a:pPr algn="ctr"/>
+            <a:endParaRPr lang="hr-HR" noProof="0" dirty="0"/>
+          </a:p>
+        </p:txBody>
+      </p:sp>
+      <p:sp>
+        <p:nvSpPr>
           <p:cNvPr id="2" name="Title 1">
             <a:extLst>
               <a:ext uri="{FF2B5EF4-FFF2-40B4-BE49-F238E27FC236}">
-                <a16:creationId xmlns:a16="http://schemas.microsoft.com/office/drawing/2014/main" id="{87D11213-3933-F1F8-4CFA-563DA8B59AAF}"/>
+                <a16:creationId xmlns:a16="http://schemas.microsoft.com/office/drawing/2014/main" id="{35347D56-342A-8725-392E-2B900D06C1AC}"/>
               </a:ext>
             </a:extLst>
           </p:cNvPr>
@@ -24020,8 +24158,8 @@
         </p:nvSpPr>
         <p:spPr>
           <a:xfrm>
-            <a:off x="1319103" y="543523"/>
-            <a:ext cx="7066090" cy="839357"/>
+            <a:off x="278243" y="1882934"/>
+            <a:ext cx="3195289" cy="3092132"/>
           </a:xfrm>
         </p:spPr>
         <p:txBody>
@@ -24030,7 +24168,7 @@
           <a:p>
             <a:r>
               <a:rPr lang="hr-HR" sz="2400" cap="none" noProof="0" dirty="0"/>
-              <a:t>Sekvencijski dijagram za ključne procese</a:t>
+              <a:t>Sekvencijski dijagram – kreiranje tima</a:t>
             </a:r>
           </a:p>
         </p:txBody>
@@ -24040,7 +24178,7 @@
           <p:cNvPr id="9" name="Slide Number Placeholder 1">
             <a:extLst>
               <a:ext uri="{FF2B5EF4-FFF2-40B4-BE49-F238E27FC236}">
-                <a16:creationId xmlns:a16="http://schemas.microsoft.com/office/drawing/2014/main" id="{22389337-0430-4A3C-E290-EA0CBBE3F006}"/>
+                <a16:creationId xmlns:a16="http://schemas.microsoft.com/office/drawing/2014/main" id="{30060A29-86E7-48AB-00D3-CDB901B5EA67}"/>
               </a:ext>
             </a:extLst>
           </p:cNvPr>
@@ -24174,40 +24312,10 @@
           </a:p>
         </p:txBody>
       </p:sp>
-      <p:pic>
-        <p:nvPicPr>
-          <p:cNvPr id="7" name="Picture 6">
-            <a:extLst>
-              <a:ext uri="{FF2B5EF4-FFF2-40B4-BE49-F238E27FC236}">
-                <a16:creationId xmlns:a16="http://schemas.microsoft.com/office/drawing/2014/main" id="{0B7168E8-228E-AADA-DBCC-6C5AF4C8BAA9}"/>
-              </a:ext>
-            </a:extLst>
-          </p:cNvPr>
-          <p:cNvPicPr>
-            <a:picLocks noChangeAspect="1"/>
-          </p:cNvPicPr>
-          <p:nvPr/>
-        </p:nvPicPr>
-        <p:blipFill>
-          <a:blip r:embed="rId3"/>
-          <a:stretch>
-            <a:fillRect/>
-          </a:stretch>
-        </p:blipFill>
-        <p:spPr>
-          <a:xfrm>
-            <a:off x="2622177" y="1475198"/>
-            <a:ext cx="4459941" cy="4459941"/>
-          </a:xfrm>
-          <a:prstGeom prst="rect">
-            <a:avLst/>
-          </a:prstGeom>
-        </p:spPr>
-      </p:pic>
     </p:spTree>
     <p:extLst>
       <p:ext uri="{BB962C8B-B14F-4D97-AF65-F5344CB8AC3E}">
-        <p14:creationId xmlns:p14="http://schemas.microsoft.com/office/powerpoint/2010/main" val="4186411056"/>
+        <p14:creationId xmlns:p14="http://schemas.microsoft.com/office/powerpoint/2010/main" val="160235055"/>
       </p:ext>
     </p:extLst>
   </p:cSld>
@@ -24915,10 +25023,9 @@
           </a:lstStyle>
           <a:p>
             <a:r>
-              <a:rPr lang="hr-HR"/>
+              <a:rPr lang="hr-HR" noProof="0" dirty="0"/>
               <a:t>KORIŠTENI ALATI I TEHNOLOGIJE</a:t>
             </a:r>
-            <a:endParaRPr lang="hr-HR" dirty="0"/>
           </a:p>
         </p:txBody>
       </p:sp>
@@ -25120,50 +25227,50 @@
               </a:lnSpc>
             </a:pPr>
             <a:r>
-              <a:rPr lang="hr-HR" sz="2000" b="1" dirty="0"/>
+              <a:rPr lang="hr-HR" sz="2000" b="1" noProof="0" dirty="0"/>
               <a:t>Razvojna okruženja</a:t>
             </a:r>
             <a:r>
-              <a:rPr lang="hr-HR" sz="2000" dirty="0"/>
+              <a:rPr lang="hr-HR" sz="2000" noProof="0" dirty="0"/>
               <a:t>: </a:t>
             </a:r>
             <a:r>
-              <a:rPr lang="hr-HR" sz="2000" dirty="0" err="1"/>
+              <a:rPr lang="hr-HR" sz="2000" noProof="0" dirty="0" err="1"/>
               <a:t>Visual</a:t>
             </a:r>
             <a:r>
-              <a:rPr lang="hr-HR" sz="2000" dirty="0"/>
+              <a:rPr lang="hr-HR" sz="2000" noProof="0" dirty="0"/>
               <a:t> Studio </a:t>
             </a:r>
             <a:r>
-              <a:rPr lang="hr-HR" sz="2000" dirty="0" err="1"/>
+              <a:rPr lang="hr-HR" sz="2000" noProof="0" dirty="0" err="1"/>
               <a:t>Code</a:t>
             </a:r>
             <a:r>
-              <a:rPr lang="hr-HR" sz="2000" dirty="0"/>
+              <a:rPr lang="hr-HR" sz="2000" noProof="0" dirty="0"/>
               <a:t>, </a:t>
             </a:r>
             <a:r>
-              <a:rPr lang="hr-HR" sz="2000" dirty="0" err="1"/>
+              <a:rPr lang="hr-HR" sz="2000" noProof="0" dirty="0" err="1"/>
               <a:t>PyCharm</a:t>
             </a:r>
             <a:r>
-              <a:rPr lang="hr-HR" sz="2000" dirty="0"/>
+              <a:rPr lang="hr-HR" sz="2000" noProof="0" dirty="0"/>
               <a:t>, </a:t>
             </a:r>
             <a:r>
-              <a:rPr lang="hr-HR" sz="2000" dirty="0" err="1"/>
+              <a:rPr lang="hr-HR" sz="2000" noProof="0" dirty="0" err="1"/>
               <a:t>Community</a:t>
             </a:r>
             <a:r>
-              <a:rPr lang="hr-HR" sz="2000" dirty="0"/>
+              <a:rPr lang="hr-HR" sz="2000" noProof="0" dirty="0"/>
               <a:t>, </a:t>
             </a:r>
             <a:r>
-              <a:rPr lang="hr-HR" sz="2000" dirty="0" err="1"/>
+              <a:rPr lang="hr-HR" sz="2000" noProof="0" dirty="0" err="1"/>
               <a:t>WebStorm</a:t>
             </a:r>
-            <a:endParaRPr lang="hr-HR" sz="2000" dirty="0"/>
+            <a:endParaRPr lang="hr-HR" sz="2000" noProof="0" dirty="0"/>
           </a:p>
           <a:p>
             <a:pPr>
@@ -25172,19 +25279,19 @@
               </a:lnSpc>
             </a:pPr>
             <a:r>
-              <a:rPr lang="hr-HR" sz="2000" b="1" dirty="0" err="1"/>
+              <a:rPr lang="hr-HR" sz="2000" b="1" noProof="0" dirty="0" err="1"/>
               <a:t>Frontend</a:t>
             </a:r>
             <a:r>
-              <a:rPr lang="hr-HR" sz="2000" dirty="0"/>
+              <a:rPr lang="hr-HR" sz="2000" noProof="0" dirty="0"/>
               <a:t>: </a:t>
             </a:r>
             <a:r>
-              <a:rPr lang="hr-HR" sz="2000" dirty="0" err="1"/>
+              <a:rPr lang="hr-HR" sz="2000" noProof="0" dirty="0" err="1"/>
               <a:t>React</a:t>
             </a:r>
             <a:r>
-              <a:rPr lang="hr-HR" sz="2000" dirty="0"/>
+              <a:rPr lang="hr-HR" sz="2000" noProof="0" dirty="0"/>
               <a:t>, JavaScript</a:t>
             </a:r>
           </a:p>
@@ -25195,18 +25302,18 @@
               </a:lnSpc>
             </a:pPr>
             <a:r>
-              <a:rPr lang="hr-HR" sz="2000" b="1" dirty="0" err="1"/>
+              <a:rPr lang="hr-HR" sz="2000" b="1" noProof="0" dirty="0" err="1"/>
               <a:t>Backend</a:t>
             </a:r>
             <a:r>
-              <a:rPr lang="hr-HR" sz="2000" dirty="0"/>
+              <a:rPr lang="hr-HR" sz="2000" noProof="0" dirty="0"/>
               <a:t>: Python, </a:t>
             </a:r>
             <a:r>
-              <a:rPr lang="hr-HR" sz="2000" dirty="0" err="1"/>
+              <a:rPr lang="hr-HR" sz="2000" noProof="0" dirty="0" err="1"/>
               <a:t>Flask</a:t>
             </a:r>
-            <a:endParaRPr lang="hr-HR" sz="2000" dirty="0"/>
+            <a:endParaRPr lang="hr-HR" sz="2000" noProof="0" dirty="0"/>
           </a:p>
           <a:p>
             <a:pPr>
@@ -25215,18 +25322,18 @@
               </a:lnSpc>
             </a:pPr>
             <a:r>
-              <a:rPr lang="hr-HR" sz="2000" b="1" dirty="0"/>
+              <a:rPr lang="hr-HR" sz="2000" b="1" noProof="0" dirty="0"/>
               <a:t>Baza podataka</a:t>
             </a:r>
             <a:r>
-              <a:rPr lang="hr-HR" sz="2000" dirty="0"/>
+              <a:rPr lang="hr-HR" sz="2000" noProof="0" dirty="0"/>
               <a:t>: </a:t>
             </a:r>
             <a:r>
-              <a:rPr lang="hr-HR" sz="2000" dirty="0" err="1"/>
+              <a:rPr lang="hr-HR" sz="2000" noProof="0" dirty="0" err="1"/>
               <a:t>SQLite</a:t>
             </a:r>
-            <a:endParaRPr lang="hr-HR" sz="2000" dirty="0"/>
+            <a:endParaRPr lang="hr-HR" sz="2000" noProof="0" dirty="0"/>
           </a:p>
           <a:p>
             <a:pPr>
@@ -25235,59 +25342,59 @@
               </a:lnSpc>
             </a:pPr>
             <a:r>
-              <a:rPr lang="hr-HR" sz="2000" b="1" dirty="0"/>
+              <a:rPr lang="hr-HR" sz="2000" b="1" noProof="0" dirty="0"/>
               <a:t>Ispitivanje</a:t>
             </a:r>
             <a:r>
-              <a:rPr lang="hr-HR" sz="2000" dirty="0"/>
+              <a:rPr lang="hr-HR" sz="2000" noProof="0" dirty="0"/>
               <a:t>: </a:t>
             </a:r>
             <a:r>
-              <a:rPr lang="hr-HR" sz="2000" dirty="0" err="1"/>
+              <a:rPr lang="hr-HR" sz="2000" noProof="0" dirty="0" err="1"/>
               <a:t>pytest</a:t>
             </a:r>
             <a:r>
-              <a:rPr lang="hr-HR" sz="2000" dirty="0"/>
+              <a:rPr lang="hr-HR" sz="2000" noProof="0" dirty="0"/>
               <a:t>, </a:t>
             </a:r>
             <a:r>
-              <a:rPr lang="hr-HR" sz="2000" dirty="0" err="1"/>
+              <a:rPr lang="hr-HR" sz="2000" noProof="0" dirty="0" err="1"/>
               <a:t>Selenium</a:t>
             </a:r>
             <a:r>
-              <a:rPr lang="hr-HR" sz="2000" dirty="0"/>
+              <a:rPr lang="hr-HR" sz="2000" noProof="0" dirty="0"/>
               <a:t>, </a:t>
             </a:r>
             <a:r>
-              <a:rPr lang="hr-HR" sz="2000" dirty="0" err="1"/>
+              <a:rPr lang="hr-HR" sz="2000" noProof="0" dirty="0" err="1"/>
               <a:t>Flask</a:t>
             </a:r>
             <a:r>
-              <a:rPr lang="hr-HR" sz="2000" dirty="0"/>
+              <a:rPr lang="hr-HR" sz="2000" noProof="0" dirty="0"/>
               <a:t> test </a:t>
             </a:r>
             <a:r>
-              <a:rPr lang="hr-HR" sz="2000" dirty="0" err="1"/>
+              <a:rPr lang="hr-HR" sz="2000" noProof="0" dirty="0" err="1"/>
               <a:t>client</a:t>
             </a:r>
             <a:r>
-              <a:rPr lang="hr-HR" sz="2000" dirty="0"/>
+              <a:rPr lang="hr-HR" sz="2000" noProof="0" dirty="0"/>
               <a:t>, </a:t>
             </a:r>
             <a:r>
-              <a:rPr lang="hr-HR" sz="2000" dirty="0" err="1"/>
+              <a:rPr lang="hr-HR" sz="2000" noProof="0" dirty="0" err="1"/>
               <a:t>SQLite</a:t>
             </a:r>
             <a:r>
-              <a:rPr lang="hr-HR" sz="2000" dirty="0"/>
+              <a:rPr lang="hr-HR" sz="2000" noProof="0" dirty="0"/>
               <a:t> </a:t>
             </a:r>
             <a:r>
-              <a:rPr lang="hr-HR" sz="2000" dirty="0" err="1"/>
+              <a:rPr lang="hr-HR" sz="2000" noProof="0" dirty="0" err="1"/>
               <a:t>in-memory</a:t>
             </a:r>
             <a:r>
-              <a:rPr lang="hr-HR" sz="2000" dirty="0"/>
+              <a:rPr lang="hr-HR" sz="2000" noProof="0" dirty="0"/>
               <a:t> baza</a:t>
             </a:r>
           </a:p>
@@ -25298,35 +25405,35 @@
               </a:lnSpc>
             </a:pPr>
             <a:r>
-              <a:rPr lang="hr-HR" sz="2000" b="1" dirty="0"/>
+              <a:rPr lang="hr-HR" sz="2000" b="1" noProof="0" dirty="0"/>
               <a:t>Dokumentacija</a:t>
             </a:r>
             <a:r>
-              <a:rPr lang="hr-HR" sz="2000" dirty="0"/>
+              <a:rPr lang="hr-HR" sz="2000" noProof="0" dirty="0"/>
               <a:t>: </a:t>
             </a:r>
             <a:r>
-              <a:rPr lang="hr-HR" sz="2000" dirty="0" err="1"/>
+              <a:rPr lang="hr-HR" sz="2000" noProof="0" dirty="0" err="1"/>
               <a:t>LaTeX</a:t>
             </a:r>
             <a:r>
-              <a:rPr lang="hr-HR" sz="2000" dirty="0"/>
+              <a:rPr lang="hr-HR" sz="2000" noProof="0" dirty="0"/>
               <a:t>, </a:t>
             </a:r>
             <a:r>
-              <a:rPr lang="hr-HR" sz="2000" dirty="0" err="1"/>
+              <a:rPr lang="hr-HR" sz="2000" noProof="0" dirty="0" err="1"/>
               <a:t>ERDPlus</a:t>
             </a:r>
             <a:r>
-              <a:rPr lang="hr-HR" sz="2000" dirty="0"/>
+              <a:rPr lang="hr-HR" sz="2000" noProof="0" dirty="0"/>
               <a:t>, </a:t>
             </a:r>
             <a:r>
-              <a:rPr lang="hr-HR" sz="2000" dirty="0" err="1"/>
+              <a:rPr lang="hr-HR" sz="2000" noProof="0" dirty="0" err="1"/>
               <a:t>Astah</a:t>
             </a:r>
             <a:r>
-              <a:rPr lang="hr-HR" sz="2000" dirty="0"/>
+              <a:rPr lang="hr-HR" sz="2000" noProof="0" dirty="0"/>
               <a:t> UML</a:t>
             </a:r>
           </a:p>
@@ -25337,31 +25444,31 @@
               </a:lnSpc>
             </a:pPr>
             <a:r>
-              <a:rPr lang="hr-HR" sz="2000" b="1" dirty="0"/>
+              <a:rPr lang="hr-HR" sz="2000" b="1" noProof="0" dirty="0"/>
               <a:t>CI/CD i </a:t>
             </a:r>
             <a:r>
-              <a:rPr lang="hr-HR" sz="2000" b="1" dirty="0" err="1"/>
+              <a:rPr lang="hr-HR" sz="2000" b="1" noProof="0" dirty="0" err="1"/>
               <a:t>deployment</a:t>
             </a:r>
             <a:r>
-              <a:rPr lang="hr-HR" sz="2000" dirty="0"/>
+              <a:rPr lang="hr-HR" sz="2000" noProof="0" dirty="0"/>
               <a:t>: </a:t>
             </a:r>
             <a:r>
-              <a:rPr lang="hr-HR" sz="2000" dirty="0" err="1"/>
+              <a:rPr lang="hr-HR" sz="2000" noProof="0" dirty="0" err="1"/>
               <a:t>GitHub</a:t>
             </a:r>
             <a:r>
-              <a:rPr lang="hr-HR" sz="2000" dirty="0"/>
+              <a:rPr lang="hr-HR" sz="2000" noProof="0" dirty="0"/>
               <a:t> </a:t>
             </a:r>
             <a:r>
-              <a:rPr lang="hr-HR" sz="2000" dirty="0" err="1"/>
+              <a:rPr lang="hr-HR" sz="2000" noProof="0" dirty="0" err="1"/>
               <a:t>Actions</a:t>
             </a:r>
             <a:r>
-              <a:rPr lang="hr-HR" sz="2000" dirty="0"/>
+              <a:rPr lang="hr-HR" sz="2000" noProof="0" dirty="0"/>
               <a:t>, Azure</a:t>
             </a:r>
           </a:p>
@@ -25688,7 +25795,7 @@
           </a:lstStyle>
           <a:p>
             <a:r>
-              <a:rPr lang="hr-HR" dirty="0"/>
+              <a:rPr lang="hr-HR" noProof="0" dirty="0"/>
               <a:t>ZAKLJUČAK</a:t>
             </a:r>
           </a:p>
@@ -25998,7 +26105,7 @@
               <a:buNone/>
             </a:pPr>
             <a:r>
-              <a:rPr lang="hr-HR" sz="2000" dirty="0"/>
+              <a:rPr lang="hr-HR" sz="2000" noProof="0" dirty="0"/>
               <a:t>Rezultat, količina odrađenog posla, odabir tehnologija</a:t>
             </a:r>
           </a:p>
@@ -26200,7 +26307,7 @@
               <a:buNone/>
             </a:pPr>
             <a:r>
-              <a:rPr lang="hr-HR" sz="2000" dirty="0"/>
+              <a:rPr lang="hr-HR" sz="2000" noProof="0" dirty="0"/>
               <a:t>Komunikacija, kontinuitet rada</a:t>
             </a:r>
           </a:p>
@@ -26402,7 +26509,7 @@
               <a:buNone/>
             </a:pPr>
             <a:r>
-              <a:rPr lang="hr-HR" sz="2000" dirty="0"/>
+              <a:rPr lang="hr-HR" sz="2000" noProof="0" dirty="0"/>
               <a:t>Organizacija vremena</a:t>
             </a:r>
           </a:p>
@@ -27183,7 +27290,7 @@
             <p:ph sz="quarter" idx="4"/>
             <p:extLst>
               <p:ext uri="{D42A27DB-BD31-4B8C-83A1-F6EECF244321}">
-                <p14:modId xmlns:p14="http://schemas.microsoft.com/office/powerpoint/2010/main" val="4134454431"/>
+                <p14:modId xmlns:p14="http://schemas.microsoft.com/office/powerpoint/2010/main" val="1326045533"/>
               </p:ext>
             </p:extLst>
           </p:nvPr>
@@ -27955,7 +28062,7 @@
             <p:ph sz="quarter" idx="4"/>
             <p:extLst>
               <p:ext uri="{D42A27DB-BD31-4B8C-83A1-F6EECF244321}">
-                <p14:modId xmlns:p14="http://schemas.microsoft.com/office/powerpoint/2010/main" val="3144700579"/>
+                <p14:modId xmlns:p14="http://schemas.microsoft.com/office/powerpoint/2010/main" val="2605274725"/>
               </p:ext>
             </p:extLst>
           </p:nvPr>
@@ -29213,7 +29320,7 @@
           <p:nvPr>
             <p:extLst>
               <p:ext uri="{D42A27DB-BD31-4B8C-83A1-F6EECF244321}">
-                <p14:modId xmlns:p14="http://schemas.microsoft.com/office/powerpoint/2010/main" val="3070904096"/>
+                <p14:modId xmlns:p14="http://schemas.microsoft.com/office/powerpoint/2010/main" val="4014917878"/>
               </p:ext>
             </p:extLst>
           </p:nvPr>
@@ -29402,7 +29509,7 @@
           <p:nvPr>
             <p:extLst>
               <p:ext uri="{D42A27DB-BD31-4B8C-83A1-F6EECF244321}">
-                <p14:modId xmlns:p14="http://schemas.microsoft.com/office/powerpoint/2010/main" val="647547159"/>
+                <p14:modId xmlns:p14="http://schemas.microsoft.com/office/powerpoint/2010/main" val="2210704339"/>
               </p:ext>
             </p:extLst>
           </p:nvPr>
@@ -29452,10 +29559,10 @@
       </p:grpSpPr>
       <p:pic>
         <p:nvPicPr>
-          <p:cNvPr id="6" name="Picture 5">
+          <p:cNvPr id="4" name="Picture 3">
             <a:extLst>
               <a:ext uri="{FF2B5EF4-FFF2-40B4-BE49-F238E27FC236}">
-                <a16:creationId xmlns:a16="http://schemas.microsoft.com/office/drawing/2014/main" id="{075A5FF2-8424-7F9F-3A69-AA507116AE10}"/>
+                <a16:creationId xmlns:a16="http://schemas.microsoft.com/office/drawing/2014/main" id="{EF265E27-3CB0-E410-AE8D-702B7C3B5CF2}"/>
               </a:ext>
             </a:extLst>
           </p:cNvPr>
@@ -29472,8 +29579,8 @@
         </p:blipFill>
         <p:spPr>
           <a:xfrm>
-            <a:off x="2886084" y="0"/>
-            <a:ext cx="9305916" cy="6858000"/>
+            <a:off x="2770262" y="0"/>
+            <a:ext cx="9421738" cy="6858000"/>
           </a:xfrm>
           <a:prstGeom prst="rect">
             <a:avLst/>
@@ -29494,14 +29601,14 @@
         </p:nvSpPr>
         <p:spPr>
           <a:xfrm>
-            <a:off x="-80684" y="3353491"/>
-            <a:ext cx="2966767" cy="3504509"/>
+            <a:off x="-80683" y="3353491"/>
+            <a:ext cx="2850946" cy="3504509"/>
           </a:xfrm>
           <a:prstGeom prst="rect">
             <a:avLst/>
           </a:prstGeom>
           <a:solidFill>
-            <a:srgbClr val="FDFBF6"/>
+            <a:schemeClr val="bg1"/>
           </a:solidFill>
           <a:ln>
             <a:solidFill>
